--- a/presentation/MS AI 역량 향상 과정_MVP 제작_DocLens.pptx
+++ b/presentation/MS AI 역량 향상 과정_MVP 제작_DocLens.pptx
@@ -13331,8 +13331,32 @@
                   <a:schemeClr val="dk1"/>
                 </a:buClr>
                 <a:buSzPts val="1100"/>
+                <a:buFont typeface="Malgun Gothic"/>
                 <a:buChar char="●"/>
               </a:pPr>
+              <a:r>
+                <a:rPr b="1" lang="ko-KR" sz="1100">
+                  <a:solidFill>
+                    <a:schemeClr val="dk1"/>
+                  </a:solidFill>
+                  <a:latin typeface="Malgun Gothic"/>
+                  <a:ea typeface="Malgun Gothic"/>
+                  <a:cs typeface="Malgun Gothic"/>
+                  <a:sym typeface="Malgun Gothic"/>
+                </a:rPr>
+                <a:t>분석 리뷰 전 문서 이해에 시간 소요</a:t>
+              </a:r>
+              <a:br>
+                <a:rPr lang="ko-KR" sz="1100">
+                  <a:solidFill>
+                    <a:schemeClr val="dk1"/>
+                  </a:solidFill>
+                  <a:latin typeface="Malgun Gothic"/>
+                  <a:ea typeface="Malgun Gothic"/>
+                  <a:cs typeface="Malgun Gothic"/>
+                  <a:sym typeface="Malgun Gothic"/>
+                </a:rPr>
+              </a:br>
               <a:r>
                 <a:rPr lang="ko-KR" sz="1100">
                   <a:solidFill>
@@ -13343,31 +13367,7 @@
                   <a:cs typeface="Malgun Gothic"/>
                   <a:sym typeface="Malgun Gothic"/>
                 </a:rPr>
-                <a:t>문서 기반 분석 과정을 </a:t>
-              </a:r>
-              <a:r>
-                <a:rPr b="1" lang="ko-KR" sz="1100">
-                  <a:solidFill>
-                    <a:schemeClr val="dk1"/>
-                  </a:solidFill>
-                  <a:latin typeface="Malgun Gothic"/>
-                  <a:ea typeface="Malgun Gothic"/>
-                  <a:cs typeface="Malgun Gothic"/>
-                  <a:sym typeface="Malgun Gothic"/>
-                </a:rPr>
-                <a:t>AI로 자동화</a:t>
-              </a:r>
-              <a:r>
-                <a:rPr lang="ko-KR" sz="1100">
-                  <a:solidFill>
-                    <a:schemeClr val="dk1"/>
-                  </a:solidFill>
-                  <a:latin typeface="Malgun Gothic"/>
-                  <a:ea typeface="Malgun Gothic"/>
-                  <a:cs typeface="Malgun Gothic"/>
-                  <a:sym typeface="Malgun Gothic"/>
-                </a:rPr>
-                <a:t>하여 업무 효율을 극대화</a:t>
+                <a:t>→ 문서에서 주제, 요약, 핵심 키워드를 자동 추출</a:t>
               </a:r>
               <a:br>
                 <a:rPr lang="ko-KR" sz="1100">
@@ -13405,8 +13405,32 @@
                   <a:schemeClr val="dk1"/>
                 </a:buClr>
                 <a:buSzPts val="1100"/>
+                <a:buFont typeface="Malgun Gothic"/>
                 <a:buChar char="●"/>
               </a:pPr>
+              <a:r>
+                <a:rPr b="1" lang="ko-KR" sz="1100">
+                  <a:solidFill>
+                    <a:schemeClr val="dk1"/>
+                  </a:solidFill>
+                  <a:latin typeface="Malgun Gothic"/>
+                  <a:ea typeface="Malgun Gothic"/>
+                  <a:cs typeface="Malgun Gothic"/>
+                  <a:sym typeface="Malgun Gothic"/>
+                </a:rPr>
+                <a:t>유사 문서 탐색 어려움</a:t>
+              </a:r>
+              <a:br>
+                <a:rPr lang="ko-KR" sz="1100">
+                  <a:solidFill>
+                    <a:schemeClr val="dk1"/>
+                  </a:solidFill>
+                  <a:latin typeface="Malgun Gothic"/>
+                  <a:ea typeface="Malgun Gothic"/>
+                  <a:cs typeface="Malgun Gothic"/>
+                  <a:sym typeface="Malgun Gothic"/>
+                </a:rPr>
+              </a:br>
               <a:r>
                 <a:rPr lang="ko-KR" sz="1100">
                   <a:solidFill>
@@ -13417,19 +13441,19 @@
                   <a:cs typeface="Malgun Gothic"/>
                   <a:sym typeface="Malgun Gothic"/>
                 </a:rPr>
-                <a:t>문서에서 </a:t>
+                <a:t> → </a:t>
               </a:r>
               <a:r>
-                <a:rPr b="1" lang="ko-KR" sz="1100">
+                <a:rPr lang="ko-KR" sz="1100">
                   <a:solidFill>
-                    <a:schemeClr val="dk1"/>
+                    <a:srgbClr val="188038"/>
                   </a:solidFill>
                   <a:latin typeface="Malgun Gothic"/>
                   <a:ea typeface="Malgun Gothic"/>
                   <a:cs typeface="Malgun Gothic"/>
                   <a:sym typeface="Malgun Gothic"/>
                 </a:rPr>
-                <a:t>주제, 요약, 핵심 키워드</a:t>
+                <a:t>Azure AI Search</a:t>
               </a:r>
               <a:r>
                 <a:rPr lang="ko-KR" sz="1100">
@@ -13441,7 +13465,30 @@
                   <a:cs typeface="Malgun Gothic"/>
                   <a:sym typeface="Malgun Gothic"/>
                 </a:rPr>
-                <a:t>를 자동 추출</a:t>
+                <a:t>를 활용해 유사 문서 추천 제공</a:t>
+              </a:r>
+              <a:br>
+                <a:rPr lang="ko-KR" sz="1100">
+                  <a:solidFill>
+                    <a:schemeClr val="dk1"/>
+                  </a:solidFill>
+                  <a:latin typeface="Malgun Gothic"/>
+                  <a:ea typeface="Malgun Gothic"/>
+                  <a:cs typeface="Malgun Gothic"/>
+                  <a:sym typeface="Malgun Gothic"/>
+                </a:rPr>
+              </a:br>
+              <a:r>
+                <a:rPr lang="ko-KR" sz="1100">
+                  <a:solidFill>
+                    <a:schemeClr val="dk1"/>
+                  </a:solidFill>
+                  <a:latin typeface="Malgun Gothic"/>
+                  <a:ea typeface="Malgun Gothic"/>
+                  <a:cs typeface="Malgun Gothic"/>
+                  <a:sym typeface="Malgun Gothic"/>
+                </a:rPr>
+                <a:t> → GPT 기반 문서 검색 채팅 기능으로 원하는 주제나 도메인의 문서 탐색 가능</a:t>
               </a:r>
               <a:br>
                 <a:rPr lang="ko-KR" sz="1100">
@@ -13479,6 +13526,7 @@
                   <a:schemeClr val="dk1"/>
                 </a:buClr>
                 <a:buSzPts val="1100"/>
+                <a:buFont typeface="Malgun Gothic"/>
                 <a:buChar char="●"/>
               </a:pPr>
               <a:r>
@@ -13491,108 +13539,10 @@
                   <a:cs typeface="Malgun Gothic"/>
                   <a:sym typeface="Malgun Gothic"/>
                 </a:rPr>
-                <a:t>Azure AI Search</a:t>
-              </a:r>
-              <a:r>
-                <a:rPr lang="ko-KR" sz="1100">
-                  <a:solidFill>
-                    <a:schemeClr val="dk1"/>
-                  </a:solidFill>
-                  <a:latin typeface="Malgun Gothic"/>
-                  <a:ea typeface="Malgun Gothic"/>
-                  <a:cs typeface="Malgun Gothic"/>
-                  <a:sym typeface="Malgun Gothic"/>
-                </a:rPr>
-                <a:t>를 활용해 </a:t>
-              </a:r>
-              <a:r>
-                <a:rPr b="1" lang="ko-KR" sz="1100">
-                  <a:solidFill>
-                    <a:schemeClr val="dk1"/>
-                  </a:solidFill>
-                  <a:latin typeface="Malgun Gothic"/>
-                  <a:ea typeface="Malgun Gothic"/>
-                  <a:cs typeface="Malgun Gothic"/>
-                  <a:sym typeface="Malgun Gothic"/>
-                </a:rPr>
-                <a:t>유사 문서 추천</a:t>
-              </a:r>
-              <a:r>
-                <a:rPr lang="ko-KR" sz="1100">
-                  <a:solidFill>
-                    <a:schemeClr val="dk1"/>
-                  </a:solidFill>
-                  <a:latin typeface="Malgun Gothic"/>
-                  <a:ea typeface="Malgun Gothic"/>
-                  <a:cs typeface="Malgun Gothic"/>
-                  <a:sym typeface="Malgun Gothic"/>
-                </a:rPr>
-                <a:t> 제공</a:t>
+                <a:t>개발 시 체크사항 누락</a:t>
               </a:r>
               <a:br>
                 <a:rPr lang="ko-KR" sz="1100">
-                  <a:solidFill>
-                    <a:schemeClr val="dk1"/>
-                  </a:solidFill>
-                  <a:latin typeface="Malgun Gothic"/>
-                  <a:ea typeface="Malgun Gothic"/>
-                  <a:cs typeface="Malgun Gothic"/>
-                  <a:sym typeface="Malgun Gothic"/>
-                </a:rPr>
-              </a:br>
-              <a:endParaRPr sz="1100">
-                <a:solidFill>
-                  <a:schemeClr val="dk1"/>
-                </a:solidFill>
-                <a:latin typeface="Malgun Gothic"/>
-                <a:ea typeface="Malgun Gothic"/>
-                <a:cs typeface="Malgun Gothic"/>
-                <a:sym typeface="Malgun Gothic"/>
-              </a:endParaRPr>
-            </a:p>
-            <a:p>
-              <a:pPr indent="-298450" lvl="0" marL="457200" rtl="0" algn="l">
-                <a:lnSpc>
-                  <a:spcPct val="115000"/>
-                </a:lnSpc>
-                <a:spcBef>
-                  <a:spcPts val="0"/>
-                </a:spcBef>
-                <a:spcAft>
-                  <a:spcPts val="0"/>
-                </a:spcAft>
-                <a:buClr>
-                  <a:schemeClr val="dk1"/>
-                </a:buClr>
-                <a:buSzPts val="1100"/>
-                <a:buChar char="●"/>
-              </a:pPr>
-              <a:r>
-                <a:rPr lang="ko-KR" sz="1100">
-                  <a:solidFill>
-                    <a:schemeClr val="dk1"/>
-                  </a:solidFill>
-                  <a:latin typeface="Malgun Gothic"/>
-                  <a:ea typeface="Malgun Gothic"/>
-                  <a:cs typeface="Malgun Gothic"/>
-                  <a:sym typeface="Malgun Gothic"/>
-                </a:rPr>
-                <a:t>문서 내용을 기반으로 </a:t>
-              </a:r>
-              <a:r>
-                <a:rPr b="1" lang="ko-KR" sz="1100">
-                  <a:solidFill>
-                    <a:schemeClr val="dk1"/>
-                  </a:solidFill>
-                  <a:latin typeface="Malgun Gothic"/>
-                  <a:ea typeface="Malgun Gothic"/>
-                  <a:cs typeface="Malgun Gothic"/>
-                  <a:sym typeface="Malgun Gothic"/>
-                </a:rPr>
-                <a:t>검토용 체크리스트 항목 자동 생성</a:t>
-              </a:r>
-              <a:br>
-                <a:rPr b="1" lang="ko-KR" sz="1100">
                   <a:solidFill>
                     <a:schemeClr val="dk1"/>
                   </a:solidFill>
@@ -13612,19 +13562,7 @@
                   <a:cs typeface="Malgun Gothic"/>
                   <a:sym typeface="Malgun Gothic"/>
                 </a:rPr>
-                <a:t> → 팀원들의 </a:t>
-              </a:r>
-              <a:r>
-                <a:rPr b="1" lang="ko-KR" sz="1100">
-                  <a:solidFill>
-                    <a:schemeClr val="dk1"/>
-                  </a:solidFill>
-                  <a:latin typeface="Malgun Gothic"/>
-                  <a:ea typeface="Malgun Gothic"/>
-                  <a:cs typeface="Malgun Gothic"/>
-                  <a:sym typeface="Malgun Gothic"/>
-                </a:rPr>
-                <a:t>피드백은 체크리스트에 자동 반영</a:t>
+                <a:t> → </a:t>
               </a:r>
               <a:r>
                 <a:rPr lang="ko-KR" sz="1100">
@@ -13636,7 +13574,7 @@
                   <a:cs typeface="Malgun Gothic"/>
                   <a:sym typeface="Malgun Gothic"/>
                 </a:rPr>
-                <a:t>되어 리뷰 품질 향상</a:t>
+                <a:t>문서 내용을 기반으로 검토용 체크리스트 항목 자동 생성</a:t>
               </a:r>
               <a:br>
                 <a:rPr lang="ko-KR" sz="1100">
@@ -13649,45 +13587,6 @@
                   <a:sym typeface="Malgun Gothic"/>
                 </a:rPr>
               </a:br>
-              <a:endParaRPr sz="1100">
-                <a:solidFill>
-                  <a:schemeClr val="dk1"/>
-                </a:solidFill>
-                <a:latin typeface="Malgun Gothic"/>
-                <a:ea typeface="Malgun Gothic"/>
-                <a:cs typeface="Malgun Gothic"/>
-                <a:sym typeface="Malgun Gothic"/>
-              </a:endParaRPr>
-            </a:p>
-            <a:p>
-              <a:pPr indent="-298450" lvl="0" marL="457200" rtl="0" algn="l">
-                <a:lnSpc>
-                  <a:spcPct val="115000"/>
-                </a:lnSpc>
-                <a:spcBef>
-                  <a:spcPts val="0"/>
-                </a:spcBef>
-                <a:spcAft>
-                  <a:spcPts val="0"/>
-                </a:spcAft>
-                <a:buClr>
-                  <a:schemeClr val="dk1"/>
-                </a:buClr>
-                <a:buSzPts val="1100"/>
-                <a:buChar char="●"/>
-              </a:pPr>
-              <a:r>
-                <a:rPr b="1" lang="ko-KR" sz="1100">
-                  <a:solidFill>
-                    <a:schemeClr val="dk1"/>
-                  </a:solidFill>
-                  <a:latin typeface="Malgun Gothic"/>
-                  <a:ea typeface="Malgun Gothic"/>
-                  <a:cs typeface="Malgun Gothic"/>
-                  <a:sym typeface="Malgun Gothic"/>
-                </a:rPr>
-                <a:t>GPT 기반 문서 검색 채팅 기능</a:t>
-              </a:r>
               <a:r>
                 <a:rPr lang="ko-KR" sz="1100">
                   <a:solidFill>
@@ -13698,8 +13597,19 @@
                   <a:cs typeface="Malgun Gothic"/>
                   <a:sym typeface="Malgun Gothic"/>
                 </a:rPr>
-                <a:t>으로 원하는 주제나 도메인의 문서 탐색 가능</a:t>
+                <a:t> → 팀원들의 피드백은 체크리스트에 자동 반영되어 리뷰 품질 향상</a:t>
               </a:r>
+              <a:br>
+                <a:rPr lang="ko-KR" sz="1100">
+                  <a:solidFill>
+                    <a:schemeClr val="dk1"/>
+                  </a:solidFill>
+                  <a:latin typeface="Malgun Gothic"/>
+                  <a:ea typeface="Malgun Gothic"/>
+                  <a:cs typeface="Malgun Gothic"/>
+                  <a:sym typeface="Malgun Gothic"/>
+                </a:rPr>
+              </a:br>
               <a:endParaRPr sz="1100">
                 <a:solidFill>
                   <a:schemeClr val="dk1"/>
@@ -16490,6 +16400,285 @@
 </file>
 
 <file path=ppt/theme/theme1.xml><?xml version="1.0" encoding="utf-8"?>
+<a:theme xmlns:a="http://schemas.openxmlformats.org/drawingml/2006/main" xmlns:r="http://schemas.openxmlformats.org/officeDocument/2006/relationships" name="Office 테마">
+  <a:themeElements>
+    <a:clrScheme name="Office">
+      <a:dk1>
+        <a:srgbClr val="000000"/>
+      </a:dk1>
+      <a:lt1>
+        <a:srgbClr val="FFFFFF"/>
+      </a:lt1>
+      <a:dk2>
+        <a:srgbClr val="44546A"/>
+      </a:dk2>
+      <a:lt2>
+        <a:srgbClr val="E7E6E6"/>
+      </a:lt2>
+      <a:accent1>
+        <a:srgbClr val="4472C4"/>
+      </a:accent1>
+      <a:accent2>
+        <a:srgbClr val="ED7D31"/>
+      </a:accent2>
+      <a:accent3>
+        <a:srgbClr val="A5A5A5"/>
+      </a:accent3>
+      <a:accent4>
+        <a:srgbClr val="FFC000"/>
+      </a:accent4>
+      <a:accent5>
+        <a:srgbClr val="5B9BD5"/>
+      </a:accent5>
+      <a:accent6>
+        <a:srgbClr val="70AD47"/>
+      </a:accent6>
+      <a:hlink>
+        <a:srgbClr val="0563C1"/>
+      </a:hlink>
+      <a:folHlink>
+        <a:srgbClr val="954F72"/>
+      </a:folHlink>
+    </a:clrScheme>
+    <a:fontScheme name="Office">
+      <a:majorFont>
+        <a:latin typeface="Arial"/>
+        <a:ea typeface=""/>
+        <a:cs typeface=""/>
+        <a:font script="Jpan" typeface="ＭＳ Ｐゴシック"/>
+        <a:font script="Hang" typeface="맑은 고딕"/>
+        <a:font script="Hans" typeface="宋体"/>
+        <a:font script="Hant" typeface="新細明體"/>
+        <a:font script="Arab" typeface="Times New Roman"/>
+        <a:font script="Hebr" typeface="Times New Roman"/>
+        <a:font script="Thai" typeface="Angsana New"/>
+        <a:font script="Ethi" typeface="Nyala"/>
+        <a:font script="Beng" typeface="Vrinda"/>
+        <a:font script="Gujr" typeface="Shruti"/>
+        <a:font script="Khmr" typeface="MoolBoran"/>
+        <a:font script="Knda" typeface="Tunga"/>
+        <a:font script="Guru" typeface="Raavi"/>
+        <a:font script="Cans" typeface="Euphemia"/>
+        <a:font script="Cher" typeface="Plantagenet Cherokee"/>
+        <a:font script="Yiii" typeface="Microsoft Yi Baiti"/>
+        <a:font script="Tibt" typeface="Microsoft Himalaya"/>
+        <a:font script="Thaa" typeface="MV Boli"/>
+        <a:font script="Deva" typeface="Mangal"/>
+        <a:font script="Telu" typeface="Gautami"/>
+        <a:font script="Taml" typeface="Latha"/>
+        <a:font script="Syrc" typeface="Estrangelo Edessa"/>
+        <a:font script="Orya" typeface="Kalinga"/>
+        <a:font script="Mlym" typeface="Kartika"/>
+        <a:font script="Laoo" typeface="DokChampa"/>
+        <a:font script="Sinh" typeface="Iskoola Pota"/>
+        <a:font script="Mong" typeface="Mongolian Baiti"/>
+        <a:font script="Viet" typeface="Times New Roman"/>
+        <a:font script="Uigh" typeface="Microsoft Uighur"/>
+        <a:font script="Geor" typeface="Sylfaen"/>
+      </a:majorFont>
+      <a:minorFont>
+        <a:latin typeface="Arial"/>
+        <a:ea typeface=""/>
+        <a:cs typeface=""/>
+        <a:font script="Jpan" typeface="ＭＳ Ｐゴシック"/>
+        <a:font script="Hang" typeface="맑은 고딕"/>
+        <a:font script="Hans" typeface="宋体"/>
+        <a:font script="Hant" typeface="新細明體"/>
+        <a:font script="Arab" typeface="Arial"/>
+        <a:font script="Hebr" typeface="Arial"/>
+        <a:font script="Thai" typeface="Cordia New"/>
+        <a:font script="Ethi" typeface="Nyala"/>
+        <a:font script="Beng" typeface="Vrinda"/>
+        <a:font script="Gujr" typeface="Shruti"/>
+        <a:font script="Khmr" typeface="DaunPenh"/>
+        <a:font script="Knda" typeface="Tunga"/>
+        <a:font script="Guru" typeface="Raavi"/>
+        <a:font script="Cans" typeface="Euphemia"/>
+        <a:font script="Cher" typeface="Plantagenet Cherokee"/>
+        <a:font script="Yiii" typeface="Microsoft Yi Baiti"/>
+        <a:font script="Tibt" typeface="Microsoft Himalaya"/>
+        <a:font script="Thaa" typeface="MV Boli"/>
+        <a:font script="Deva" typeface="Mangal"/>
+        <a:font script="Telu" typeface="Gautami"/>
+        <a:font script="Taml" typeface="Latha"/>
+        <a:font script="Syrc" typeface="Estrangelo Edessa"/>
+        <a:font script="Orya" typeface="Kalinga"/>
+        <a:font script="Mlym" typeface="Kartika"/>
+        <a:font script="Laoo" typeface="DokChampa"/>
+        <a:font script="Sinh" typeface="Iskoola Pota"/>
+        <a:font script="Mong" typeface="Mongolian Baiti"/>
+        <a:font script="Viet" typeface="Arial"/>
+        <a:font script="Uigh" typeface="Microsoft Uighur"/>
+        <a:font script="Geor" typeface="Sylfaen"/>
+      </a:minorFont>
+    </a:fontScheme>
+    <a:fmtScheme name="Office">
+      <a:fillStyleLst>
+        <a:solidFill>
+          <a:schemeClr val="phClr"/>
+        </a:solidFill>
+        <a:gradFill rotWithShape="1">
+          <a:gsLst>
+            <a:gs pos="0">
+              <a:schemeClr val="phClr">
+                <a:tint val="50000"/>
+                <a:satMod val="300000"/>
+              </a:schemeClr>
+            </a:gs>
+            <a:gs pos="35000">
+              <a:schemeClr val="phClr">
+                <a:tint val="37000"/>
+                <a:satMod val="300000"/>
+              </a:schemeClr>
+            </a:gs>
+            <a:gs pos="100000">
+              <a:schemeClr val="phClr">
+                <a:tint val="15000"/>
+                <a:satMod val="350000"/>
+              </a:schemeClr>
+            </a:gs>
+          </a:gsLst>
+          <a:lin ang="16200000" scaled="1"/>
+        </a:gradFill>
+        <a:gradFill rotWithShape="1">
+          <a:gsLst>
+            <a:gs pos="0">
+              <a:schemeClr val="phClr">
+                <a:tint val="100000"/>
+                <a:shade val="100000"/>
+                <a:satMod val="130000"/>
+              </a:schemeClr>
+            </a:gs>
+            <a:gs pos="100000">
+              <a:schemeClr val="phClr">
+                <a:tint val="50000"/>
+                <a:shade val="100000"/>
+                <a:satMod val="350000"/>
+              </a:schemeClr>
+            </a:gs>
+          </a:gsLst>
+          <a:lin ang="16200000" scaled="0"/>
+        </a:gradFill>
+      </a:fillStyleLst>
+      <a:lnStyleLst>
+        <a:ln w="9525" cap="flat" cmpd="sng" algn="ctr">
+          <a:solidFill>
+            <a:schemeClr val="phClr">
+              <a:shade val="95000"/>
+              <a:satMod val="105000"/>
+            </a:schemeClr>
+          </a:solidFill>
+          <a:prstDash val="solid"/>
+        </a:ln>
+        <a:ln w="25400" cap="flat" cmpd="sng" algn="ctr">
+          <a:solidFill>
+            <a:schemeClr val="phClr"/>
+          </a:solidFill>
+          <a:prstDash val="solid"/>
+        </a:ln>
+        <a:ln w="38100" cap="flat" cmpd="sng" algn="ctr">
+          <a:solidFill>
+            <a:schemeClr val="phClr"/>
+          </a:solidFill>
+          <a:prstDash val="solid"/>
+        </a:ln>
+      </a:lnStyleLst>
+      <a:effectStyleLst>
+        <a:effectStyle>
+          <a:effectLst>
+            <a:outerShdw blurRad="40000" dist="20000" dir="5400000" rotWithShape="0">
+              <a:srgbClr val="000000">
+                <a:alpha val="38000"/>
+              </a:srgbClr>
+            </a:outerShdw>
+          </a:effectLst>
+        </a:effectStyle>
+        <a:effectStyle>
+          <a:effectLst>
+            <a:outerShdw blurRad="40000" dist="23000" dir="5400000" rotWithShape="0">
+              <a:srgbClr val="000000">
+                <a:alpha val="35000"/>
+              </a:srgbClr>
+            </a:outerShdw>
+          </a:effectLst>
+        </a:effectStyle>
+        <a:effectStyle>
+          <a:effectLst>
+            <a:outerShdw blurRad="40000" dist="23000" dir="5400000" rotWithShape="0">
+              <a:srgbClr val="000000">
+                <a:alpha val="35000"/>
+              </a:srgbClr>
+            </a:outerShdw>
+          </a:effectLst>
+          <a:scene3d>
+            <a:camera prst="orthographicFront">
+              <a:rot lat="0" lon="0" rev="0"/>
+            </a:camera>
+            <a:lightRig rig="threePt" dir="t">
+              <a:rot lat="0" lon="0" rev="1200000"/>
+            </a:lightRig>
+          </a:scene3d>
+          <a:sp3d>
+            <a:bevelT w="63500" h="25400"/>
+          </a:sp3d>
+        </a:effectStyle>
+      </a:effectStyleLst>
+      <a:bgFillStyleLst>
+        <a:solidFill>
+          <a:schemeClr val="phClr"/>
+        </a:solidFill>
+        <a:gradFill rotWithShape="1">
+          <a:gsLst>
+            <a:gs pos="0">
+              <a:schemeClr val="phClr">
+                <a:tint val="40000"/>
+                <a:satMod val="350000"/>
+              </a:schemeClr>
+            </a:gs>
+            <a:gs pos="40000">
+              <a:schemeClr val="phClr">
+                <a:tint val="45000"/>
+                <a:shade val="99000"/>
+                <a:satMod val="350000"/>
+              </a:schemeClr>
+            </a:gs>
+            <a:gs pos="100000">
+              <a:schemeClr val="phClr">
+                <a:shade val="20000"/>
+                <a:satMod val="255000"/>
+              </a:schemeClr>
+            </a:gs>
+          </a:gsLst>
+          <a:path path="circle">
+            <a:fillToRect l="50000" t="-80000" r="50000" b="180000"/>
+          </a:path>
+        </a:gradFill>
+        <a:gradFill rotWithShape="1">
+          <a:gsLst>
+            <a:gs pos="0">
+              <a:schemeClr val="phClr">
+                <a:tint val="80000"/>
+                <a:satMod val="300000"/>
+              </a:schemeClr>
+            </a:gs>
+            <a:gs pos="100000">
+              <a:schemeClr val="phClr">
+                <a:shade val="30000"/>
+                <a:satMod val="200000"/>
+              </a:schemeClr>
+            </a:gs>
+          </a:gsLst>
+          <a:path path="circle">
+            <a:fillToRect l="50000" t="50000" r="50000" b="50000"/>
+          </a:path>
+        </a:gradFill>
+      </a:bgFillStyleLst>
+    </a:fmtScheme>
+  </a:themeElements>
+</a:theme>
+</file>
+
+<file path=ppt/theme/theme2.xml><?xml version="1.0" encoding="utf-8"?>
 <a:theme xmlns:a="http://schemas.openxmlformats.org/drawingml/2006/main" xmlns:r="http://schemas.openxmlformats.org/officeDocument/2006/relationships">
   <a:themeElements>
     <a:clrScheme name="Default">
@@ -16766,283 +16955,4 @@
     </a:fmtScheme>
   </a:themeElements>
 </a:theme>
-</file>
-
-<file path=ppt/theme/theme2.xml><?xml version="1.0" encoding="utf-8"?>
-<a:theme xmlns:a="http://schemas.openxmlformats.org/drawingml/2006/main" xmlns:r="http://schemas.openxmlformats.org/officeDocument/2006/relationships" name="Office 테마">
-  <a:themeElements>
-    <a:clrScheme name="Office">
-      <a:dk1>
-        <a:srgbClr val="000000"/>
-      </a:dk1>
-      <a:lt1>
-        <a:srgbClr val="FFFFFF"/>
-      </a:lt1>
-      <a:dk2>
-        <a:srgbClr val="44546A"/>
-      </a:dk2>
-      <a:lt2>
-        <a:srgbClr val="E7E6E6"/>
-      </a:lt2>
-      <a:accent1>
-        <a:srgbClr val="4472C4"/>
-      </a:accent1>
-      <a:accent2>
-        <a:srgbClr val="ED7D31"/>
-      </a:accent2>
-      <a:accent3>
-        <a:srgbClr val="A5A5A5"/>
-      </a:accent3>
-      <a:accent4>
-        <a:srgbClr val="FFC000"/>
-      </a:accent4>
-      <a:accent5>
-        <a:srgbClr val="5B9BD5"/>
-      </a:accent5>
-      <a:accent6>
-        <a:srgbClr val="70AD47"/>
-      </a:accent6>
-      <a:hlink>
-        <a:srgbClr val="0563C1"/>
-      </a:hlink>
-      <a:folHlink>
-        <a:srgbClr val="954F72"/>
-      </a:folHlink>
-    </a:clrScheme>
-    <a:fontScheme name="Office">
-      <a:majorFont>
-        <a:latin typeface="Arial"/>
-        <a:ea typeface=""/>
-        <a:cs typeface=""/>
-        <a:font script="Jpan" typeface="ＭＳ Ｐゴシック"/>
-        <a:font script="Hang" typeface="맑은 고딕"/>
-        <a:font script="Hans" typeface="宋体"/>
-        <a:font script="Hant" typeface="新細明體"/>
-        <a:font script="Arab" typeface="Times New Roman"/>
-        <a:font script="Hebr" typeface="Times New Roman"/>
-        <a:font script="Thai" typeface="Angsana New"/>
-        <a:font script="Ethi" typeface="Nyala"/>
-        <a:font script="Beng" typeface="Vrinda"/>
-        <a:font script="Gujr" typeface="Shruti"/>
-        <a:font script="Khmr" typeface="MoolBoran"/>
-        <a:font script="Knda" typeface="Tunga"/>
-        <a:font script="Guru" typeface="Raavi"/>
-        <a:font script="Cans" typeface="Euphemia"/>
-        <a:font script="Cher" typeface="Plantagenet Cherokee"/>
-        <a:font script="Yiii" typeface="Microsoft Yi Baiti"/>
-        <a:font script="Tibt" typeface="Microsoft Himalaya"/>
-        <a:font script="Thaa" typeface="MV Boli"/>
-        <a:font script="Deva" typeface="Mangal"/>
-        <a:font script="Telu" typeface="Gautami"/>
-        <a:font script="Taml" typeface="Latha"/>
-        <a:font script="Syrc" typeface="Estrangelo Edessa"/>
-        <a:font script="Orya" typeface="Kalinga"/>
-        <a:font script="Mlym" typeface="Kartika"/>
-        <a:font script="Laoo" typeface="DokChampa"/>
-        <a:font script="Sinh" typeface="Iskoola Pota"/>
-        <a:font script="Mong" typeface="Mongolian Baiti"/>
-        <a:font script="Viet" typeface="Times New Roman"/>
-        <a:font script="Uigh" typeface="Microsoft Uighur"/>
-        <a:font script="Geor" typeface="Sylfaen"/>
-      </a:majorFont>
-      <a:minorFont>
-        <a:latin typeface="Arial"/>
-        <a:ea typeface=""/>
-        <a:cs typeface=""/>
-        <a:font script="Jpan" typeface="ＭＳ Ｐゴシック"/>
-        <a:font script="Hang" typeface="맑은 고딕"/>
-        <a:font script="Hans" typeface="宋体"/>
-        <a:font script="Hant" typeface="新細明體"/>
-        <a:font script="Arab" typeface="Arial"/>
-        <a:font script="Hebr" typeface="Arial"/>
-        <a:font script="Thai" typeface="Cordia New"/>
-        <a:font script="Ethi" typeface="Nyala"/>
-        <a:font script="Beng" typeface="Vrinda"/>
-        <a:font script="Gujr" typeface="Shruti"/>
-        <a:font script="Khmr" typeface="DaunPenh"/>
-        <a:font script="Knda" typeface="Tunga"/>
-        <a:font script="Guru" typeface="Raavi"/>
-        <a:font script="Cans" typeface="Euphemia"/>
-        <a:font script="Cher" typeface="Plantagenet Cherokee"/>
-        <a:font script="Yiii" typeface="Microsoft Yi Baiti"/>
-        <a:font script="Tibt" typeface="Microsoft Himalaya"/>
-        <a:font script="Thaa" typeface="MV Boli"/>
-        <a:font script="Deva" typeface="Mangal"/>
-        <a:font script="Telu" typeface="Gautami"/>
-        <a:font script="Taml" typeface="Latha"/>
-        <a:font script="Syrc" typeface="Estrangelo Edessa"/>
-        <a:font script="Orya" typeface="Kalinga"/>
-        <a:font script="Mlym" typeface="Kartika"/>
-        <a:font script="Laoo" typeface="DokChampa"/>
-        <a:font script="Sinh" typeface="Iskoola Pota"/>
-        <a:font script="Mong" typeface="Mongolian Baiti"/>
-        <a:font script="Viet" typeface="Arial"/>
-        <a:font script="Uigh" typeface="Microsoft Uighur"/>
-        <a:font script="Geor" typeface="Sylfaen"/>
-      </a:minorFont>
-    </a:fontScheme>
-    <a:fmtScheme name="Office">
-      <a:fillStyleLst>
-        <a:solidFill>
-          <a:schemeClr val="phClr"/>
-        </a:solidFill>
-        <a:gradFill rotWithShape="1">
-          <a:gsLst>
-            <a:gs pos="0">
-              <a:schemeClr val="phClr">
-                <a:tint val="50000"/>
-                <a:satMod val="300000"/>
-              </a:schemeClr>
-            </a:gs>
-            <a:gs pos="35000">
-              <a:schemeClr val="phClr">
-                <a:tint val="37000"/>
-                <a:satMod val="300000"/>
-              </a:schemeClr>
-            </a:gs>
-            <a:gs pos="100000">
-              <a:schemeClr val="phClr">
-                <a:tint val="15000"/>
-                <a:satMod val="350000"/>
-              </a:schemeClr>
-            </a:gs>
-          </a:gsLst>
-          <a:lin ang="16200000" scaled="1"/>
-        </a:gradFill>
-        <a:gradFill rotWithShape="1">
-          <a:gsLst>
-            <a:gs pos="0">
-              <a:schemeClr val="phClr">
-                <a:tint val="100000"/>
-                <a:shade val="100000"/>
-                <a:satMod val="130000"/>
-              </a:schemeClr>
-            </a:gs>
-            <a:gs pos="100000">
-              <a:schemeClr val="phClr">
-                <a:tint val="50000"/>
-                <a:shade val="100000"/>
-                <a:satMod val="350000"/>
-              </a:schemeClr>
-            </a:gs>
-          </a:gsLst>
-          <a:lin ang="16200000" scaled="0"/>
-        </a:gradFill>
-      </a:fillStyleLst>
-      <a:lnStyleLst>
-        <a:ln w="9525" cap="flat" cmpd="sng" algn="ctr">
-          <a:solidFill>
-            <a:schemeClr val="phClr">
-              <a:shade val="95000"/>
-              <a:satMod val="105000"/>
-            </a:schemeClr>
-          </a:solidFill>
-          <a:prstDash val="solid"/>
-        </a:ln>
-        <a:ln w="25400" cap="flat" cmpd="sng" algn="ctr">
-          <a:solidFill>
-            <a:schemeClr val="phClr"/>
-          </a:solidFill>
-          <a:prstDash val="solid"/>
-        </a:ln>
-        <a:ln w="38100" cap="flat" cmpd="sng" algn="ctr">
-          <a:solidFill>
-            <a:schemeClr val="phClr"/>
-          </a:solidFill>
-          <a:prstDash val="solid"/>
-        </a:ln>
-      </a:lnStyleLst>
-      <a:effectStyleLst>
-        <a:effectStyle>
-          <a:effectLst>
-            <a:outerShdw blurRad="40000" dist="20000" dir="5400000" rotWithShape="0">
-              <a:srgbClr val="000000">
-                <a:alpha val="38000"/>
-              </a:srgbClr>
-            </a:outerShdw>
-          </a:effectLst>
-        </a:effectStyle>
-        <a:effectStyle>
-          <a:effectLst>
-            <a:outerShdw blurRad="40000" dist="23000" dir="5400000" rotWithShape="0">
-              <a:srgbClr val="000000">
-                <a:alpha val="35000"/>
-              </a:srgbClr>
-            </a:outerShdw>
-          </a:effectLst>
-        </a:effectStyle>
-        <a:effectStyle>
-          <a:effectLst>
-            <a:outerShdw blurRad="40000" dist="23000" dir="5400000" rotWithShape="0">
-              <a:srgbClr val="000000">
-                <a:alpha val="35000"/>
-              </a:srgbClr>
-            </a:outerShdw>
-          </a:effectLst>
-          <a:scene3d>
-            <a:camera prst="orthographicFront">
-              <a:rot lat="0" lon="0" rev="0"/>
-            </a:camera>
-            <a:lightRig rig="threePt" dir="t">
-              <a:rot lat="0" lon="0" rev="1200000"/>
-            </a:lightRig>
-          </a:scene3d>
-          <a:sp3d>
-            <a:bevelT w="63500" h="25400"/>
-          </a:sp3d>
-        </a:effectStyle>
-      </a:effectStyleLst>
-      <a:bgFillStyleLst>
-        <a:solidFill>
-          <a:schemeClr val="phClr"/>
-        </a:solidFill>
-        <a:gradFill rotWithShape="1">
-          <a:gsLst>
-            <a:gs pos="0">
-              <a:schemeClr val="phClr">
-                <a:tint val="40000"/>
-                <a:satMod val="350000"/>
-              </a:schemeClr>
-            </a:gs>
-            <a:gs pos="40000">
-              <a:schemeClr val="phClr">
-                <a:tint val="45000"/>
-                <a:shade val="99000"/>
-                <a:satMod val="350000"/>
-              </a:schemeClr>
-            </a:gs>
-            <a:gs pos="100000">
-              <a:schemeClr val="phClr">
-                <a:shade val="20000"/>
-                <a:satMod val="255000"/>
-              </a:schemeClr>
-            </a:gs>
-          </a:gsLst>
-          <a:path path="circle">
-            <a:fillToRect l="50000" t="-80000" r="50000" b="180000"/>
-          </a:path>
-        </a:gradFill>
-        <a:gradFill rotWithShape="1">
-          <a:gsLst>
-            <a:gs pos="0">
-              <a:schemeClr val="phClr">
-                <a:tint val="80000"/>
-                <a:satMod val="300000"/>
-              </a:schemeClr>
-            </a:gs>
-            <a:gs pos="100000">
-              <a:schemeClr val="phClr">
-                <a:shade val="30000"/>
-                <a:satMod val="200000"/>
-              </a:schemeClr>
-            </a:gs>
-          </a:gsLst>
-          <a:path path="circle">
-            <a:fillToRect l="50000" t="50000" r="50000" b="50000"/>
-          </a:path>
-        </a:gradFill>
-      </a:bgFillStyleLst>
-    </a:fmtScheme>
-  </a:themeElements>
-</a:theme>
 </file>